--- a/創造エネルギー研究スキル/研究スキルⅡ.pptx
+++ b/創造エネルギー研究スキル/研究スキルⅡ.pptx
@@ -263,7 +263,7 @@
             <a:fld id="{B61BEF0D-F0BB-DE4B-95CE-6DB70DBA9567}" type="datetimeFigureOut">
               <a:rPr lang="en-US" smtClean="0"/>
               <a:pPr/>
-              <a:t>1/16/2016</a:t>
+              <a:t>2/12/2016</a:t>
             </a:fld>
             <a:endParaRPr lang="en-US" dirty="0"/>
           </a:p>
@@ -467,7 +467,7 @@
             <a:fld id="{B61BEF0D-F0BB-DE4B-95CE-6DB70DBA9567}" type="datetimeFigureOut">
               <a:rPr lang="en-US" smtClean="0"/>
               <a:pPr/>
-              <a:t>1/16/2016</a:t>
+              <a:t>2/12/2016</a:t>
             </a:fld>
             <a:endParaRPr lang="en-US" dirty="0"/>
           </a:p>
@@ -681,7 +681,7 @@
             <a:fld id="{B61BEF0D-F0BB-DE4B-95CE-6DB70DBA9567}" type="datetimeFigureOut">
               <a:rPr lang="en-US" smtClean="0"/>
               <a:pPr/>
-              <a:t>1/16/2016</a:t>
+              <a:t>2/12/2016</a:t>
             </a:fld>
             <a:endParaRPr lang="en-US" dirty="0"/>
           </a:p>
@@ -885,7 +885,7 @@
             <a:fld id="{B61BEF0D-F0BB-DE4B-95CE-6DB70DBA9567}" type="datetimeFigureOut">
               <a:rPr lang="en-US" smtClean="0"/>
               <a:pPr/>
-              <a:t>1/16/2016</a:t>
+              <a:t>2/12/2016</a:t>
             </a:fld>
             <a:endParaRPr lang="en-US" dirty="0"/>
           </a:p>
@@ -1138,7 +1138,7 @@
             <a:fld id="{B61BEF0D-F0BB-DE4B-95CE-6DB70DBA9567}" type="datetimeFigureOut">
               <a:rPr lang="en-US" smtClean="0"/>
               <a:pPr/>
-              <a:t>1/16/2016</a:t>
+              <a:t>2/12/2016</a:t>
             </a:fld>
             <a:endParaRPr lang="en-US" dirty="0"/>
           </a:p>
@@ -1436,7 +1436,7 @@
             <a:fld id="{B61BEF0D-F0BB-DE4B-95CE-6DB70DBA9567}" type="datetimeFigureOut">
               <a:rPr lang="en-US" smtClean="0"/>
               <a:pPr/>
-              <a:t>1/16/2016</a:t>
+              <a:t>2/12/2016</a:t>
             </a:fld>
             <a:endParaRPr lang="en-US" dirty="0"/>
           </a:p>
@@ -1849,7 +1849,7 @@
             <a:fld id="{B61BEF0D-F0BB-DE4B-95CE-6DB70DBA9567}" type="datetimeFigureOut">
               <a:rPr lang="en-US" smtClean="0"/>
               <a:pPr/>
-              <a:t>1/16/2016</a:t>
+              <a:t>2/12/2016</a:t>
             </a:fld>
             <a:endParaRPr lang="en-US" dirty="0"/>
           </a:p>
@@ -1969,7 +1969,7 @@
             <a:fld id="{B61BEF0D-F0BB-DE4B-95CE-6DB70DBA9567}" type="datetimeFigureOut">
               <a:rPr lang="en-US" smtClean="0"/>
               <a:pPr/>
-              <a:t>1/16/2016</a:t>
+              <a:t>2/12/2016</a:t>
             </a:fld>
             <a:endParaRPr lang="en-US" dirty="0"/>
           </a:p>
@@ -2089,7 +2089,7 @@
             <a:fld id="{B61BEF0D-F0BB-DE4B-95CE-6DB70DBA9567}" type="datetimeFigureOut">
               <a:rPr lang="en-US" smtClean="0"/>
               <a:pPr/>
-              <a:t>1/16/2016</a:t>
+              <a:t>2/12/2016</a:t>
             </a:fld>
             <a:endParaRPr lang="en-US" dirty="0"/>
           </a:p>
@@ -2407,7 +2407,7 @@
             <a:fld id="{B61BEF0D-F0BB-DE4B-95CE-6DB70DBA9567}" type="datetimeFigureOut">
               <a:rPr lang="en-US" smtClean="0"/>
               <a:pPr/>
-              <a:t>1/16/2016</a:t>
+              <a:t>2/12/2016</a:t>
             </a:fld>
             <a:endParaRPr lang="en-US" dirty="0"/>
           </a:p>
@@ -2673,7 +2673,7 @@
             <a:fld id="{B61BEF0D-F0BB-DE4B-95CE-6DB70DBA9567}" type="datetimeFigureOut">
               <a:rPr lang="en-US" smtClean="0"/>
               <a:pPr/>
-              <a:t>1/16/2016</a:t>
+              <a:t>2/12/2016</a:t>
             </a:fld>
             <a:endParaRPr lang="en-US" dirty="0"/>
           </a:p>
@@ -2921,7 +2921,7 @@
             <a:fld id="{B61BEF0D-F0BB-DE4B-95CE-6DB70DBA9567}" type="datetimeFigureOut">
               <a:rPr lang="en-US" smtClean="0"/>
               <a:pPr/>
-              <a:t>1/16/2016</a:t>
+              <a:t>2/12/2016</a:t>
             </a:fld>
             <a:endParaRPr lang="en-US" dirty="0"/>
           </a:p>
@@ -3339,7 +3339,7 @@
               <a:t>研究スキル</a:t>
             </a:r>
             <a:r>
-              <a:rPr kumimoji="1" lang="en-US" altLang="ja-JP" dirty="0" smtClean="0">
+              <a:rPr kumimoji="1" lang="en-US" altLang="ja-JP" smtClean="0">
                 <a:latin typeface="小塚ゴシック Pro R" panose="020B0400000000000000" pitchFamily="34" charset="-128"/>
                 <a:ea typeface="小塚ゴシック Pro R" panose="020B0400000000000000" pitchFamily="34" charset="-128"/>
               </a:rPr>
@@ -4538,21 +4538,7 @@
                 <a:latin typeface="小塚ゴシック Pr6N R" panose="020B0400000000000000" pitchFamily="34" charset="-128"/>
                 <a:ea typeface="小塚ゴシック Pr6N R" panose="020B0400000000000000" pitchFamily="34" charset="-128"/>
               </a:rPr>
-              <a:t>ビームライン</a:t>
-            </a:r>
-            <a:r>
-              <a:rPr lang="ja-JP" altLang="en-US" sz="3200" dirty="0" smtClean="0">
-                <a:latin typeface="小塚ゴシック Pr6N R" panose="020B0400000000000000" pitchFamily="34" charset="-128"/>
-                <a:ea typeface="小塚ゴシック Pr6N R" panose="020B0400000000000000" pitchFamily="34" charset="-128"/>
-              </a:rPr>
-              <a:t>の</a:t>
-            </a:r>
-            <a:r>
-              <a:rPr lang="ja-JP" altLang="en-US" sz="3200" dirty="0" smtClean="0">
-                <a:latin typeface="小塚ゴシック Pr6N R" panose="020B0400000000000000" pitchFamily="34" charset="-128"/>
-                <a:ea typeface="小塚ゴシック Pr6N R" panose="020B0400000000000000" pitchFamily="34" charset="-128"/>
-              </a:rPr>
-              <a:t>組み立て</a:t>
+              <a:t>ビームラインの組み立て</a:t>
             </a:r>
             <a:endParaRPr lang="en-US" altLang="ja-JP" sz="3200" dirty="0">
               <a:latin typeface="小塚ゴシック Pr6N R" panose="020B0400000000000000" pitchFamily="34" charset="-128"/>
@@ -4629,14 +4615,7 @@
                 <a:latin typeface="小塚ゴシック Pr6N R" panose="020B0400000000000000" pitchFamily="34" charset="-128"/>
                 <a:ea typeface="小塚ゴシック Pr6N R" panose="020B0400000000000000" pitchFamily="34" charset="-128"/>
               </a:rPr>
-              <a:t>重イオンビーム</a:t>
-            </a:r>
-            <a:r>
-              <a:rPr kumimoji="1" lang="ja-JP" altLang="en-US" sz="3200" dirty="0" smtClean="0">
-                <a:latin typeface="小塚ゴシック Pr6N R" panose="020B0400000000000000" pitchFamily="34" charset="-128"/>
-                <a:ea typeface="小塚ゴシック Pr6N R" panose="020B0400000000000000" pitchFamily="34" charset="-128"/>
-              </a:rPr>
-              <a:t>の軌道計算</a:t>
+              <a:t>重イオンビームの軌道計算</a:t>
             </a:r>
             <a:endParaRPr kumimoji="1" lang="ja-JP" altLang="en-US" sz="3200" dirty="0">
               <a:latin typeface="小塚ゴシック Pr6N R" panose="020B0400000000000000" pitchFamily="34" charset="-128"/>
@@ -4803,14 +4782,7 @@
                 <a:latin typeface="小塚ゴシック Pr6N R" panose="020B0400000000000000" pitchFamily="34" charset="-128"/>
                 <a:ea typeface="小塚ゴシック Pr6N R" panose="020B0400000000000000" pitchFamily="34" charset="-128"/>
               </a:rPr>
-              <a:t>を用いて</a:t>
-            </a:r>
-            <a:r>
-              <a:rPr lang="ja-JP" altLang="en-US" sz="2400" dirty="0" smtClean="0">
-                <a:latin typeface="小塚ゴシック Pr6N R" panose="020B0400000000000000" pitchFamily="34" charset="-128"/>
-                <a:ea typeface="小塚ゴシック Pr6N R" panose="020B0400000000000000" pitchFamily="34" charset="-128"/>
-              </a:rPr>
-              <a:t>計算</a:t>
+              <a:t>を用いて計算</a:t>
             </a:r>
             <a:endParaRPr lang="en-US" altLang="ja-JP" sz="2400" dirty="0" smtClean="0">
               <a:latin typeface="小塚ゴシック Pr6N R" panose="020B0400000000000000" pitchFamily="34" charset="-128"/>
@@ -5284,14 +5256,7 @@
                 <a:latin typeface="小塚ゴシック Pr6N R" panose="020B0400000000000000" pitchFamily="34" charset="-128"/>
                 <a:ea typeface="小塚ゴシック Pr6N R" panose="020B0400000000000000" pitchFamily="34" charset="-128"/>
               </a:rPr>
-              <a:t>今後</a:t>
-            </a:r>
-            <a:r>
-              <a:rPr kumimoji="1" lang="ja-JP" altLang="en-US" sz="3600" dirty="0" smtClean="0">
-                <a:latin typeface="小塚ゴシック Pr6N R" panose="020B0400000000000000" pitchFamily="34" charset="-128"/>
-                <a:ea typeface="小塚ゴシック Pr6N R" panose="020B0400000000000000" pitchFamily="34" charset="-128"/>
-              </a:rPr>
-              <a:t>の</a:t>
+              <a:t>今後の</a:t>
             </a:r>
             <a:r>
               <a:rPr lang="ja-JP" altLang="en-US" sz="3600" dirty="0">
@@ -5337,14 +5302,7 @@
                 <a:latin typeface="小塚ゴシック Pr6N R" panose="020B0400000000000000" pitchFamily="34" charset="-128"/>
                 <a:ea typeface="小塚ゴシック Pr6N R" panose="020B0400000000000000" pitchFamily="34" charset="-128"/>
               </a:rPr>
-              <a:t>偏向磁石の</a:t>
-            </a:r>
-            <a:r>
-              <a:rPr lang="ja-JP" altLang="en-US" sz="2400" dirty="0" smtClean="0">
-                <a:latin typeface="小塚ゴシック Pr6N R" panose="020B0400000000000000" pitchFamily="34" charset="-128"/>
-                <a:ea typeface="小塚ゴシック Pr6N R" panose="020B0400000000000000" pitchFamily="34" charset="-128"/>
-              </a:rPr>
-              <a:t>試運転</a:t>
+              <a:t>偏向磁石の試運転</a:t>
             </a:r>
             <a:endParaRPr lang="en-US" altLang="ja-JP" sz="2400" dirty="0" smtClean="0">
               <a:latin typeface="小塚ゴシック Pr6N R" panose="020B0400000000000000" pitchFamily="34" charset="-128"/>
@@ -5367,14 +5325,7 @@
                 <a:latin typeface="小塚ゴシック Pr6N R" panose="020B0400000000000000" pitchFamily="34" charset="-128"/>
                 <a:ea typeface="小塚ゴシック Pr6N R" panose="020B0400000000000000" pitchFamily="34" charset="-128"/>
               </a:rPr>
-              <a:t>線を</a:t>
-            </a:r>
-            <a:r>
-              <a:rPr kumimoji="1" lang="ja-JP" altLang="en-US" sz="2400" dirty="0" smtClean="0">
-                <a:latin typeface="小塚ゴシック Pr6N R" panose="020B0400000000000000" pitchFamily="34" charset="-128"/>
-                <a:ea typeface="小塚ゴシック Pr6N R" panose="020B0400000000000000" pitchFamily="34" charset="-128"/>
-              </a:rPr>
-              <a:t>用いて</a:t>
+              <a:t>線を用いて</a:t>
             </a:r>
             <a:r>
               <a:rPr lang="ja-JP" altLang="en-US" sz="2400" dirty="0" smtClean="0">
@@ -5395,14 +5346,7 @@
                 <a:latin typeface="小塚ゴシック Pr6N R" panose="020B0400000000000000" pitchFamily="34" charset="-128"/>
                 <a:ea typeface="小塚ゴシック Pr6N R" panose="020B0400000000000000" pitchFamily="34" charset="-128"/>
               </a:rPr>
-              <a:t>の</a:t>
-            </a:r>
-            <a:r>
-              <a:rPr lang="ja-JP" altLang="en-US" sz="2400" dirty="0" smtClean="0">
-                <a:latin typeface="小塚ゴシック Pr6N R" panose="020B0400000000000000" pitchFamily="34" charset="-128"/>
-                <a:ea typeface="小塚ゴシック Pr6N R" panose="020B0400000000000000" pitchFamily="34" charset="-128"/>
-              </a:rPr>
-              <a:t>実験を行う</a:t>
+              <a:t>の実験を行う</a:t>
             </a:r>
             <a:endParaRPr lang="en-US" altLang="ja-JP" sz="2400" dirty="0" smtClean="0">
               <a:latin typeface="小塚ゴシック Pr6N R" panose="020B0400000000000000" pitchFamily="34" charset="-128"/>
